--- a/odep_cellarray/圓圈光圖形.pptx
+++ b/odep_cellarray/圓圈光圖形.pptx
@@ -251,7 +251,7 @@
           <a:p>
             <a:fld id="{ABB82676-7D00-459F-B067-83203D0BA8B1}" type="datetimeFigureOut">
               <a:rPr lang="zh-TW" altLang="en-US" smtClean="0"/>
-              <a:t>2024/9/19</a:t>
+              <a:t>2024/10/23</a:t>
             </a:fld>
             <a:endParaRPr lang="zh-TW" altLang="en-US"/>
           </a:p>
@@ -421,7 +421,7 @@
           <a:p>
             <a:fld id="{ABB82676-7D00-459F-B067-83203D0BA8B1}" type="datetimeFigureOut">
               <a:rPr lang="zh-TW" altLang="en-US" smtClean="0"/>
-              <a:t>2024/9/19</a:t>
+              <a:t>2024/10/23</a:t>
             </a:fld>
             <a:endParaRPr lang="zh-TW" altLang="en-US"/>
           </a:p>
@@ -601,7 +601,7 @@
           <a:p>
             <a:fld id="{ABB82676-7D00-459F-B067-83203D0BA8B1}" type="datetimeFigureOut">
               <a:rPr lang="zh-TW" altLang="en-US" smtClean="0"/>
-              <a:t>2024/9/19</a:t>
+              <a:t>2024/10/23</a:t>
             </a:fld>
             <a:endParaRPr lang="zh-TW" altLang="en-US"/>
           </a:p>
@@ -771,7 +771,7 @@
           <a:p>
             <a:fld id="{ABB82676-7D00-459F-B067-83203D0BA8B1}" type="datetimeFigureOut">
               <a:rPr lang="zh-TW" altLang="en-US" smtClean="0"/>
-              <a:t>2024/9/19</a:t>
+              <a:t>2024/10/23</a:t>
             </a:fld>
             <a:endParaRPr lang="zh-TW" altLang="en-US"/>
           </a:p>
@@ -1017,7 +1017,7 @@
           <a:p>
             <a:fld id="{ABB82676-7D00-459F-B067-83203D0BA8B1}" type="datetimeFigureOut">
               <a:rPr lang="zh-TW" altLang="en-US" smtClean="0"/>
-              <a:t>2024/9/19</a:t>
+              <a:t>2024/10/23</a:t>
             </a:fld>
             <a:endParaRPr lang="zh-TW" altLang="en-US"/>
           </a:p>
@@ -1249,7 +1249,7 @@
           <a:p>
             <a:fld id="{ABB82676-7D00-459F-B067-83203D0BA8B1}" type="datetimeFigureOut">
               <a:rPr lang="zh-TW" altLang="en-US" smtClean="0"/>
-              <a:t>2024/9/19</a:t>
+              <a:t>2024/10/23</a:t>
             </a:fld>
             <a:endParaRPr lang="zh-TW" altLang="en-US"/>
           </a:p>
@@ -1616,7 +1616,7 @@
           <a:p>
             <a:fld id="{ABB82676-7D00-459F-B067-83203D0BA8B1}" type="datetimeFigureOut">
               <a:rPr lang="zh-TW" altLang="en-US" smtClean="0"/>
-              <a:t>2024/9/19</a:t>
+              <a:t>2024/10/23</a:t>
             </a:fld>
             <a:endParaRPr lang="zh-TW" altLang="en-US"/>
           </a:p>
@@ -1734,7 +1734,7 @@
           <a:p>
             <a:fld id="{ABB82676-7D00-459F-B067-83203D0BA8B1}" type="datetimeFigureOut">
               <a:rPr lang="zh-TW" altLang="en-US" smtClean="0"/>
-              <a:t>2024/9/19</a:t>
+              <a:t>2024/10/23</a:t>
             </a:fld>
             <a:endParaRPr lang="zh-TW" altLang="en-US"/>
           </a:p>
@@ -1829,7 +1829,7 @@
           <a:p>
             <a:fld id="{ABB82676-7D00-459F-B067-83203D0BA8B1}" type="datetimeFigureOut">
               <a:rPr lang="zh-TW" altLang="en-US" smtClean="0"/>
-              <a:t>2024/9/19</a:t>
+              <a:t>2024/10/23</a:t>
             </a:fld>
             <a:endParaRPr lang="zh-TW" altLang="en-US"/>
           </a:p>
@@ -2106,7 +2106,7 @@
           <a:p>
             <a:fld id="{ABB82676-7D00-459F-B067-83203D0BA8B1}" type="datetimeFigureOut">
               <a:rPr lang="zh-TW" altLang="en-US" smtClean="0"/>
-              <a:t>2024/9/19</a:t>
+              <a:t>2024/10/23</a:t>
             </a:fld>
             <a:endParaRPr lang="zh-TW" altLang="en-US"/>
           </a:p>
@@ -2363,7 +2363,7 @@
           <a:p>
             <a:fld id="{ABB82676-7D00-459F-B067-83203D0BA8B1}" type="datetimeFigureOut">
               <a:rPr lang="zh-TW" altLang="en-US" smtClean="0"/>
-              <a:t>2024/9/19</a:t>
+              <a:t>2024/10/23</a:t>
             </a:fld>
             <a:endParaRPr lang="zh-TW" altLang="en-US"/>
           </a:p>
@@ -2576,7 +2576,7 @@
           <a:p>
             <a:fld id="{ABB82676-7D00-459F-B067-83203D0BA8B1}" type="datetimeFigureOut">
               <a:rPr lang="zh-TW" altLang="en-US" smtClean="0"/>
-              <a:t>2024/9/19</a:t>
+              <a:t>2024/10/23</a:t>
             </a:fld>
             <a:endParaRPr lang="zh-TW" altLang="en-US"/>
           </a:p>
@@ -3108,6 +3108,527 @@
           </p:txBody>
         </p:sp>
       </p:grpSp>
+      <p:sp>
+        <p:nvSpPr>
+          <p:cNvPr id="8" name="文字方塊 7">
+            <a:extLst>
+              <a:ext uri="{FF2B5EF4-FFF2-40B4-BE49-F238E27FC236}">
+                <a16:creationId xmlns:a16="http://schemas.microsoft.com/office/drawing/2014/main" id="{5F032AB3-52FE-2198-C0F9-5D2CD165BEBC}"/>
+              </a:ext>
+            </a:extLst>
+          </p:cNvPr>
+          <p:cNvSpPr txBox="1"/>
+          <p:nvPr/>
+        </p:nvSpPr>
+        <p:spPr>
+          <a:xfrm>
+            <a:off x="5914430" y="4008780"/>
+            <a:ext cx="651140" cy="276999"/>
+          </a:xfrm>
+          <a:prstGeom prst="rect">
+            <a:avLst/>
+          </a:prstGeom>
+          <a:noFill/>
+        </p:spPr>
+        <p:txBody>
+          <a:bodyPr wrap="none" rtlCol="0">
+            <a:spAutoFit/>
+          </a:bodyPr>
+          <a:lstStyle/>
+          <a:p>
+            <a:r>
+              <a:rPr lang="en-US" altLang="zh-TW" sz="1200" dirty="0"/>
+              <a:t>0.6/0.2</a:t>
+            </a:r>
+          </a:p>
+        </p:txBody>
+      </p:sp>
+      <p:grpSp>
+        <p:nvGrpSpPr>
+          <p:cNvPr id="9" name="群組 8">
+            <a:extLst>
+              <a:ext uri="{FF2B5EF4-FFF2-40B4-BE49-F238E27FC236}">
+                <a16:creationId xmlns:a16="http://schemas.microsoft.com/office/drawing/2014/main" id="{B6D74E47-A00A-CB58-CAE6-EBDA28A4D6F2}"/>
+              </a:ext>
+            </a:extLst>
+          </p:cNvPr>
+          <p:cNvGrpSpPr/>
+          <p:nvPr/>
+        </p:nvGrpSpPr>
+        <p:grpSpPr>
+          <a:xfrm>
+            <a:off x="7889158" y="4290777"/>
+            <a:ext cx="216000" cy="216000"/>
+            <a:chOff x="2698771" y="2323224"/>
+            <a:chExt cx="216000" cy="216000"/>
+          </a:xfrm>
+        </p:grpSpPr>
+        <p:sp>
+          <p:nvSpPr>
+            <p:cNvPr id="10" name="橢圓 9">
+              <a:extLst>
+                <a:ext uri="{FF2B5EF4-FFF2-40B4-BE49-F238E27FC236}">
+                  <a16:creationId xmlns:a16="http://schemas.microsoft.com/office/drawing/2014/main" id="{BD3C87F9-7C0A-912B-26ED-468292E81BCA}"/>
+                </a:ext>
+              </a:extLst>
+            </p:cNvPr>
+            <p:cNvSpPr>
+              <a:spLocks noChangeAspect="1"/>
+            </p:cNvSpPr>
+            <p:nvPr/>
+          </p:nvSpPr>
+          <p:spPr>
+            <a:xfrm>
+              <a:off x="2698771" y="2323224"/>
+              <a:ext cx="216000" cy="216000"/>
+            </a:xfrm>
+            <a:prstGeom prst="ellipse">
+              <a:avLst/>
+            </a:prstGeom>
+            <a:solidFill>
+              <a:schemeClr val="tx1"/>
+            </a:solidFill>
+            <a:ln>
+              <a:noFill/>
+            </a:ln>
+          </p:spPr>
+          <p:style>
+            <a:lnRef idx="2">
+              <a:schemeClr val="accent1">
+                <a:shade val="15000"/>
+              </a:schemeClr>
+            </a:lnRef>
+            <a:fillRef idx="1">
+              <a:schemeClr val="accent1"/>
+            </a:fillRef>
+            <a:effectRef idx="0">
+              <a:schemeClr val="accent1"/>
+            </a:effectRef>
+            <a:fontRef idx="minor">
+              <a:schemeClr val="lt1"/>
+            </a:fontRef>
+          </p:style>
+          <p:txBody>
+            <a:bodyPr rtlCol="0" anchor="ctr"/>
+            <a:lstStyle/>
+            <a:p>
+              <a:pPr algn="ctr"/>
+              <a:endParaRPr lang="zh-TW" altLang="en-US" dirty="0"/>
+            </a:p>
+          </p:txBody>
+        </p:sp>
+        <p:sp>
+          <p:nvSpPr>
+            <p:cNvPr id="11" name="橢圓 10">
+              <a:extLst>
+                <a:ext uri="{FF2B5EF4-FFF2-40B4-BE49-F238E27FC236}">
+                  <a16:creationId xmlns:a16="http://schemas.microsoft.com/office/drawing/2014/main" id="{811A5D1B-6613-F13E-FBC9-6418455207B3}"/>
+                </a:ext>
+              </a:extLst>
+            </p:cNvPr>
+            <p:cNvSpPr/>
+            <p:nvPr/>
+          </p:nvSpPr>
+          <p:spPr>
+            <a:xfrm>
+              <a:off x="2778196" y="2408364"/>
+              <a:ext cx="54000" cy="54000"/>
+            </a:xfrm>
+            <a:prstGeom prst="ellipse">
+              <a:avLst/>
+            </a:prstGeom>
+            <a:solidFill>
+              <a:schemeClr val="bg1"/>
+            </a:solidFill>
+            <a:ln>
+              <a:noFill/>
+            </a:ln>
+          </p:spPr>
+          <p:style>
+            <a:lnRef idx="2">
+              <a:schemeClr val="accent1">
+                <a:shade val="15000"/>
+              </a:schemeClr>
+            </a:lnRef>
+            <a:fillRef idx="1">
+              <a:schemeClr val="accent1"/>
+            </a:fillRef>
+            <a:effectRef idx="0">
+              <a:schemeClr val="accent1"/>
+            </a:effectRef>
+            <a:fontRef idx="minor">
+              <a:schemeClr val="lt1"/>
+            </a:fontRef>
+          </p:style>
+          <p:txBody>
+            <a:bodyPr lIns="90000" rtlCol="0" anchor="ctr"/>
+            <a:lstStyle/>
+            <a:p>
+              <a:pPr algn="ctr"/>
+              <a:endParaRPr lang="zh-TW" altLang="en-US"/>
+            </a:p>
+          </p:txBody>
+        </p:sp>
+      </p:grpSp>
+      <p:sp>
+        <p:nvSpPr>
+          <p:cNvPr id="12" name="文字方塊 11">
+            <a:extLst>
+              <a:ext uri="{FF2B5EF4-FFF2-40B4-BE49-F238E27FC236}">
+                <a16:creationId xmlns:a16="http://schemas.microsoft.com/office/drawing/2014/main" id="{F9A0ED36-4DD7-061B-734B-501524B8AC7F}"/>
+              </a:ext>
+            </a:extLst>
+          </p:cNvPr>
+          <p:cNvSpPr txBox="1"/>
+          <p:nvPr/>
+        </p:nvSpPr>
+        <p:spPr>
+          <a:xfrm>
+            <a:off x="7670013" y="4022058"/>
+            <a:ext cx="732893" cy="276999"/>
+          </a:xfrm>
+          <a:prstGeom prst="rect">
+            <a:avLst/>
+          </a:prstGeom>
+          <a:noFill/>
+        </p:spPr>
+        <p:txBody>
+          <a:bodyPr wrap="none" rtlCol="0">
+            <a:spAutoFit/>
+          </a:bodyPr>
+          <a:lstStyle/>
+          <a:p>
+            <a:r>
+              <a:rPr lang="en-US" altLang="zh-TW" sz="1200" dirty="0"/>
+              <a:t>0.6/0.15</a:t>
+            </a:r>
+          </a:p>
+        </p:txBody>
+      </p:sp>
+      <p:grpSp>
+        <p:nvGrpSpPr>
+          <p:cNvPr id="13" name="群組 12">
+            <a:extLst>
+              <a:ext uri="{FF2B5EF4-FFF2-40B4-BE49-F238E27FC236}">
+                <a16:creationId xmlns:a16="http://schemas.microsoft.com/office/drawing/2014/main" id="{521421CE-C5F7-B25A-25A3-83F1F7617917}"/>
+              </a:ext>
+            </a:extLst>
+          </p:cNvPr>
+          <p:cNvGrpSpPr/>
+          <p:nvPr/>
+        </p:nvGrpSpPr>
+        <p:grpSpPr>
+          <a:xfrm>
+            <a:off x="9325528" y="4290777"/>
+            <a:ext cx="216000" cy="216000"/>
+            <a:chOff x="2698771" y="2323224"/>
+            <a:chExt cx="216000" cy="216000"/>
+          </a:xfrm>
+        </p:grpSpPr>
+        <p:sp>
+          <p:nvSpPr>
+            <p:cNvPr id="14" name="橢圓 13">
+              <a:extLst>
+                <a:ext uri="{FF2B5EF4-FFF2-40B4-BE49-F238E27FC236}">
+                  <a16:creationId xmlns:a16="http://schemas.microsoft.com/office/drawing/2014/main" id="{4BA8CDAA-1C8D-A595-AB46-CB3EC9F4A88A}"/>
+                </a:ext>
+              </a:extLst>
+            </p:cNvPr>
+            <p:cNvSpPr>
+              <a:spLocks noChangeAspect="1"/>
+            </p:cNvSpPr>
+            <p:nvPr/>
+          </p:nvSpPr>
+          <p:spPr>
+            <a:xfrm>
+              <a:off x="2698771" y="2323224"/>
+              <a:ext cx="216000" cy="216000"/>
+            </a:xfrm>
+            <a:prstGeom prst="ellipse">
+              <a:avLst/>
+            </a:prstGeom>
+            <a:solidFill>
+              <a:schemeClr val="tx1"/>
+            </a:solidFill>
+            <a:ln>
+              <a:noFill/>
+            </a:ln>
+          </p:spPr>
+          <p:style>
+            <a:lnRef idx="2">
+              <a:schemeClr val="accent1">
+                <a:shade val="15000"/>
+              </a:schemeClr>
+            </a:lnRef>
+            <a:fillRef idx="1">
+              <a:schemeClr val="accent1"/>
+            </a:fillRef>
+            <a:effectRef idx="0">
+              <a:schemeClr val="accent1"/>
+            </a:effectRef>
+            <a:fontRef idx="minor">
+              <a:schemeClr val="lt1"/>
+            </a:fontRef>
+          </p:style>
+          <p:txBody>
+            <a:bodyPr rtlCol="0" anchor="ctr"/>
+            <a:lstStyle/>
+            <a:p>
+              <a:pPr algn="ctr"/>
+              <a:endParaRPr lang="zh-TW" altLang="en-US" dirty="0"/>
+            </a:p>
+          </p:txBody>
+        </p:sp>
+        <p:sp>
+          <p:nvSpPr>
+            <p:cNvPr id="15" name="橢圓 14">
+              <a:extLst>
+                <a:ext uri="{FF2B5EF4-FFF2-40B4-BE49-F238E27FC236}">
+                  <a16:creationId xmlns:a16="http://schemas.microsoft.com/office/drawing/2014/main" id="{4A708F46-4CFD-057E-CD7E-DB6E4727C6AA}"/>
+                </a:ext>
+              </a:extLst>
+            </p:cNvPr>
+            <p:cNvSpPr/>
+            <p:nvPr/>
+          </p:nvSpPr>
+          <p:spPr>
+            <a:xfrm>
+              <a:off x="2790676" y="2413329"/>
+              <a:ext cx="36000" cy="36000"/>
+            </a:xfrm>
+            <a:prstGeom prst="ellipse">
+              <a:avLst/>
+            </a:prstGeom>
+            <a:solidFill>
+              <a:schemeClr val="bg1"/>
+            </a:solidFill>
+            <a:ln>
+              <a:noFill/>
+            </a:ln>
+          </p:spPr>
+          <p:style>
+            <a:lnRef idx="2">
+              <a:schemeClr val="accent1">
+                <a:shade val="15000"/>
+              </a:schemeClr>
+            </a:lnRef>
+            <a:fillRef idx="1">
+              <a:schemeClr val="accent1"/>
+            </a:fillRef>
+            <a:effectRef idx="0">
+              <a:schemeClr val="accent1"/>
+            </a:effectRef>
+            <a:fontRef idx="minor">
+              <a:schemeClr val="lt1"/>
+            </a:fontRef>
+          </p:style>
+          <p:txBody>
+            <a:bodyPr lIns="90000" rtlCol="0" anchor="ctr"/>
+            <a:lstStyle/>
+            <a:p>
+              <a:pPr algn="ctr"/>
+              <a:endParaRPr lang="zh-TW" altLang="en-US"/>
+            </a:p>
+          </p:txBody>
+        </p:sp>
+      </p:grpSp>
+      <p:grpSp>
+        <p:nvGrpSpPr>
+          <p:cNvPr id="16" name="群組 15">
+            <a:extLst>
+              <a:ext uri="{FF2B5EF4-FFF2-40B4-BE49-F238E27FC236}">
+                <a16:creationId xmlns:a16="http://schemas.microsoft.com/office/drawing/2014/main" id="{099795EA-63EC-E2CB-D18D-1C8FCC5BF45C}"/>
+              </a:ext>
+            </a:extLst>
+          </p:cNvPr>
+          <p:cNvGrpSpPr/>
+          <p:nvPr/>
+        </p:nvGrpSpPr>
+        <p:grpSpPr>
+          <a:xfrm>
+            <a:off x="10457636" y="4290777"/>
+            <a:ext cx="216000" cy="216000"/>
+            <a:chOff x="2698771" y="2323224"/>
+            <a:chExt cx="216000" cy="216000"/>
+          </a:xfrm>
+        </p:grpSpPr>
+        <p:sp>
+          <p:nvSpPr>
+            <p:cNvPr id="17" name="橢圓 16">
+              <a:extLst>
+                <a:ext uri="{FF2B5EF4-FFF2-40B4-BE49-F238E27FC236}">
+                  <a16:creationId xmlns:a16="http://schemas.microsoft.com/office/drawing/2014/main" id="{936362F2-DDCA-26E7-F0BA-6BE84ED95841}"/>
+                </a:ext>
+              </a:extLst>
+            </p:cNvPr>
+            <p:cNvSpPr>
+              <a:spLocks noChangeAspect="1"/>
+            </p:cNvSpPr>
+            <p:nvPr/>
+          </p:nvSpPr>
+          <p:spPr>
+            <a:xfrm>
+              <a:off x="2698771" y="2323224"/>
+              <a:ext cx="216000" cy="216000"/>
+            </a:xfrm>
+            <a:prstGeom prst="ellipse">
+              <a:avLst/>
+            </a:prstGeom>
+            <a:solidFill>
+              <a:schemeClr val="tx1"/>
+            </a:solidFill>
+            <a:ln>
+              <a:noFill/>
+            </a:ln>
+          </p:spPr>
+          <p:style>
+            <a:lnRef idx="2">
+              <a:schemeClr val="accent1">
+                <a:shade val="15000"/>
+              </a:schemeClr>
+            </a:lnRef>
+            <a:fillRef idx="1">
+              <a:schemeClr val="accent1"/>
+            </a:fillRef>
+            <a:effectRef idx="0">
+              <a:schemeClr val="accent1"/>
+            </a:effectRef>
+            <a:fontRef idx="minor">
+              <a:schemeClr val="lt1"/>
+            </a:fontRef>
+          </p:style>
+          <p:txBody>
+            <a:bodyPr rtlCol="0" anchor="ctr"/>
+            <a:lstStyle/>
+            <a:p>
+              <a:pPr algn="ctr"/>
+              <a:endParaRPr lang="zh-TW" altLang="en-US" dirty="0"/>
+            </a:p>
+          </p:txBody>
+        </p:sp>
+        <p:sp>
+          <p:nvSpPr>
+            <p:cNvPr id="18" name="橢圓 17">
+              <a:extLst>
+                <a:ext uri="{FF2B5EF4-FFF2-40B4-BE49-F238E27FC236}">
+                  <a16:creationId xmlns:a16="http://schemas.microsoft.com/office/drawing/2014/main" id="{CF37BF35-6D64-DC06-B3E5-381940DB2BB0}"/>
+                </a:ext>
+              </a:extLst>
+            </p:cNvPr>
+            <p:cNvSpPr/>
+            <p:nvPr/>
+          </p:nvSpPr>
+          <p:spPr>
+            <a:xfrm>
+              <a:off x="2792371" y="2416719"/>
+              <a:ext cx="28800" cy="28800"/>
+            </a:xfrm>
+            <a:prstGeom prst="ellipse">
+              <a:avLst/>
+            </a:prstGeom>
+            <a:solidFill>
+              <a:schemeClr val="bg1"/>
+            </a:solidFill>
+            <a:ln>
+              <a:noFill/>
+            </a:ln>
+          </p:spPr>
+          <p:style>
+            <a:lnRef idx="2">
+              <a:schemeClr val="accent1">
+                <a:shade val="15000"/>
+              </a:schemeClr>
+            </a:lnRef>
+            <a:fillRef idx="1">
+              <a:schemeClr val="accent1"/>
+            </a:fillRef>
+            <a:effectRef idx="0">
+              <a:schemeClr val="accent1"/>
+            </a:effectRef>
+            <a:fontRef idx="minor">
+              <a:schemeClr val="lt1"/>
+            </a:fontRef>
+          </p:style>
+          <p:txBody>
+            <a:bodyPr lIns="90000" rtlCol="0" anchor="ctr"/>
+            <a:lstStyle/>
+            <a:p>
+              <a:pPr algn="ctr"/>
+              <a:endParaRPr lang="zh-TW" altLang="en-US" dirty="0"/>
+            </a:p>
+          </p:txBody>
+        </p:sp>
+      </p:grpSp>
+      <p:sp>
+        <p:nvSpPr>
+          <p:cNvPr id="19" name="文字方塊 18">
+            <a:extLst>
+              <a:ext uri="{FF2B5EF4-FFF2-40B4-BE49-F238E27FC236}">
+                <a16:creationId xmlns:a16="http://schemas.microsoft.com/office/drawing/2014/main" id="{3AB5388B-22D8-C83D-3682-9A749FCD9BDA}"/>
+              </a:ext>
+            </a:extLst>
+          </p:cNvPr>
+          <p:cNvSpPr txBox="1"/>
+          <p:nvPr/>
+        </p:nvSpPr>
+        <p:spPr>
+          <a:xfrm>
+            <a:off x="9083176" y="4008779"/>
+            <a:ext cx="732893" cy="276999"/>
+          </a:xfrm>
+          <a:prstGeom prst="rect">
+            <a:avLst/>
+          </a:prstGeom>
+          <a:noFill/>
+        </p:spPr>
+        <p:txBody>
+          <a:bodyPr wrap="none" rtlCol="0">
+            <a:spAutoFit/>
+          </a:bodyPr>
+          <a:lstStyle/>
+          <a:p>
+            <a:r>
+              <a:rPr lang="en-US" altLang="zh-TW" sz="1200" dirty="0"/>
+              <a:t>0.6/0.10</a:t>
+            </a:r>
+          </a:p>
+        </p:txBody>
+      </p:sp>
+      <p:sp>
+        <p:nvSpPr>
+          <p:cNvPr id="20" name="文字方塊 19">
+            <a:extLst>
+              <a:ext uri="{FF2B5EF4-FFF2-40B4-BE49-F238E27FC236}">
+                <a16:creationId xmlns:a16="http://schemas.microsoft.com/office/drawing/2014/main" id="{ECA9A045-693B-81E7-5CC6-F18B17C685E6}"/>
+              </a:ext>
+            </a:extLst>
+          </p:cNvPr>
+          <p:cNvSpPr txBox="1"/>
+          <p:nvPr/>
+        </p:nvSpPr>
+        <p:spPr>
+          <a:xfrm>
+            <a:off x="10256317" y="4008779"/>
+            <a:ext cx="732893" cy="276999"/>
+          </a:xfrm>
+          <a:prstGeom prst="rect">
+            <a:avLst/>
+          </a:prstGeom>
+          <a:noFill/>
+        </p:spPr>
+        <p:txBody>
+          <a:bodyPr wrap="none" rtlCol="0">
+            <a:spAutoFit/>
+          </a:bodyPr>
+          <a:lstStyle/>
+          <a:p>
+            <a:r>
+              <a:rPr lang="en-US" altLang="zh-TW" sz="1200" dirty="0"/>
+              <a:t>0.6/0.08</a:t>
+            </a:r>
+          </a:p>
+        </p:txBody>
+      </p:sp>
     </p:spTree>
     <p:extLst>
       <p:ext uri="{BB962C8B-B14F-4D97-AF65-F5344CB8AC3E}">
